--- a/SpringTermProgressReport/SpringProgressReportSlides.pptx
+++ b/SpringTermProgressReport/SpringProgressReportSlides.pptx
@@ -6867,7 +6867,7 @@
           <a:graphicData uri="http://schemas.openxmlformats.org/presentationml/2006/ole">
             <mc:AlternateContent xmlns:mc="http://schemas.openxmlformats.org/markup-compatibility/2006">
               <mc:Choice xmlns:v="urn:schemas-microsoft-com:vml" Requires="v">
-                <p:oleObj spid="_x0000_s1028" name="Packager Shell Object" showAsIcon="1" r:id="rId3" imgW="2739600" imgH="456480" progId="Package">
+                <p:oleObj spid="_x0000_s1029" name="Packager Shell Object" showAsIcon="1" r:id="rId3" imgW="2739600" imgH="456480" progId="Package">
                   <p:embed/>
                 </p:oleObj>
               </mc:Choice>
@@ -6970,7 +6970,55 @@
           <a:bodyPr/>
           <a:lstStyle/>
           <a:p>
-            <a:endParaRPr lang="en-US"/>
+            <a:pPr>
+              <a:buFont typeface="Arial" panose="020B0604020202020204" pitchFamily="34" charset="0"/>
+              <a:buChar char="•"/>
+            </a:pPr>
+            <a:r>
+              <a:rPr lang="en-US" dirty="0" smtClean="0"/>
+              <a:t>Materials we will have</a:t>
+            </a:r>
+          </a:p>
+          <a:p>
+            <a:pPr>
+              <a:buFont typeface="Arial" panose="020B0604020202020204" pitchFamily="34" charset="0"/>
+              <a:buChar char="•"/>
+            </a:pPr>
+            <a:r>
+              <a:rPr lang="en-US" dirty="0" smtClean="0"/>
+              <a:t>Background</a:t>
+            </a:r>
+          </a:p>
+          <a:p>
+            <a:pPr>
+              <a:buFont typeface="Arial" panose="020B0604020202020204" pitchFamily="34" charset="0"/>
+              <a:buChar char="•"/>
+            </a:pPr>
+            <a:r>
+              <a:rPr lang="en-US" dirty="0" smtClean="0"/>
+              <a:t>Purpose</a:t>
+            </a:r>
+          </a:p>
+          <a:p>
+            <a:pPr>
+              <a:buFont typeface="Arial" panose="020B0604020202020204" pitchFamily="34" charset="0"/>
+              <a:buChar char="•"/>
+            </a:pPr>
+            <a:r>
+              <a:rPr lang="en-US" dirty="0" smtClean="0"/>
+              <a:t>How it works</a:t>
+            </a:r>
+          </a:p>
+          <a:p>
+            <a:pPr>
+              <a:buFont typeface="Arial" panose="020B0604020202020204" pitchFamily="34" charset="0"/>
+              <a:buChar char="•"/>
+            </a:pPr>
+            <a:r>
+              <a:rPr lang="en-US" dirty="0" smtClean="0"/>
+              <a:t>Results</a:t>
+            </a:r>
+            <a:endParaRPr lang="en-US" dirty="0"/>
           </a:p>
         </p:txBody>
       </p:sp>

--- a/SpringTermProgressReport/SpringProgressReportSlides.pptx
+++ b/SpringTermProgressReport/SpringProgressReportSlides.pptx
@@ -5,18 +5,21 @@
     <p:sldMasterId id="2147483660" r:id="rId1"/>
   </p:sldMasterIdLst>
   <p:notesMasterIdLst>
-    <p:notesMasterId r:id="rId11"/>
+    <p:notesMasterId r:id="rId14"/>
   </p:notesMasterIdLst>
   <p:sldIdLst>
     <p:sldId id="256" r:id="rId2"/>
     <p:sldId id="275" r:id="rId3"/>
-    <p:sldId id="276" r:id="rId4"/>
+    <p:sldId id="280" r:id="rId4"/>
     <p:sldId id="277" r:id="rId5"/>
     <p:sldId id="278" r:id="rId6"/>
     <p:sldId id="279" r:id="rId7"/>
     <p:sldId id="273" r:id="rId8"/>
-    <p:sldId id="272" r:id="rId9"/>
-    <p:sldId id="274" r:id="rId10"/>
+    <p:sldId id="276" r:id="rId9"/>
+    <p:sldId id="281" r:id="rId10"/>
+    <p:sldId id="282" r:id="rId11"/>
+    <p:sldId id="274" r:id="rId12"/>
+    <p:sldId id="272" r:id="rId13"/>
   </p:sldIdLst>
   <p:sldSz cx="12192000" cy="6858000"/>
   <p:notesSz cx="6858000" cy="9144000"/>
@@ -205,7 +208,7 @@
           <a:p>
             <a:fld id="{71982671-267A-1147-8AC4-B0464A01763F}" type="datetimeFigureOut">
               <a:rPr lang="en-US" smtClean="0"/>
-              <a:t>5/13/2017</a:t>
+              <a:t>5/14/2017</a:t>
             </a:fld>
             <a:endParaRPr lang="en-US"/>
           </a:p>
@@ -269,38 +272,37 @@
           <a:p>
             <a:pPr lvl="0"/>
             <a:r>
-              <a:rPr lang="en-US" smtClean="0"/>
+              <a:rPr lang="en-US"/>
               <a:t>Click to edit Master text styles</a:t>
             </a:r>
           </a:p>
           <a:p>
             <a:pPr lvl="1"/>
             <a:r>
-              <a:rPr lang="en-US" smtClean="0"/>
+              <a:rPr lang="en-US"/>
               <a:t>Second level</a:t>
             </a:r>
           </a:p>
           <a:p>
             <a:pPr lvl="2"/>
             <a:r>
-              <a:rPr lang="en-US" smtClean="0"/>
+              <a:rPr lang="en-US"/>
               <a:t>Third level</a:t>
             </a:r>
           </a:p>
           <a:p>
             <a:pPr lvl="3"/>
             <a:r>
-              <a:rPr lang="en-US" smtClean="0"/>
+              <a:rPr lang="en-US"/>
               <a:t>Fourth level</a:t>
             </a:r>
           </a:p>
           <a:p>
             <a:pPr lvl="4"/>
             <a:r>
-              <a:rPr lang="en-US" smtClean="0"/>
+              <a:rPr lang="en-US"/>
               <a:t>Fifth level</a:t>
             </a:r>
-            <a:endParaRPr lang="en-US"/>
           </a:p>
         </p:txBody>
       </p:sp>
@@ -1195,7 +1197,7 @@
           <a:p>
             <a:fld id="{802020DA-F7BC-453F-ACFA-C5AEC466A7CF}" type="datetimeFigureOut">
               <a:rPr lang="en-US" smtClean="0"/>
-              <a:t>5/13/2017</a:t>
+              <a:t>5/14/2017</a:t>
             </a:fld>
             <a:endParaRPr lang="en-US"/>
           </a:p>
@@ -1446,7 +1448,7 @@
           <a:p>
             <a:fld id="{802020DA-F7BC-453F-ACFA-C5AEC466A7CF}" type="datetimeFigureOut">
               <a:rPr lang="en-US" smtClean="0"/>
-              <a:t>5/13/2017</a:t>
+              <a:t>5/14/2017</a:t>
             </a:fld>
             <a:endParaRPr lang="en-US"/>
           </a:p>
@@ -1760,7 +1762,7 @@
           <a:p>
             <a:fld id="{802020DA-F7BC-453F-ACFA-C5AEC466A7CF}" type="datetimeFigureOut">
               <a:rPr lang="en-US" smtClean="0"/>
-              <a:t>5/13/2017</a:t>
+              <a:t>5/14/2017</a:t>
             </a:fld>
             <a:endParaRPr lang="en-US"/>
           </a:p>
@@ -2101,7 +2103,7 @@
           <a:p>
             <a:fld id="{802020DA-F7BC-453F-ACFA-C5AEC466A7CF}" type="datetimeFigureOut">
               <a:rPr lang="en-US" smtClean="0"/>
-              <a:t>5/13/2017</a:t>
+              <a:t>5/14/2017</a:t>
             </a:fld>
             <a:endParaRPr lang="en-US"/>
           </a:p>
@@ -2415,7 +2417,7 @@
           <a:p>
             <a:fld id="{802020DA-F7BC-453F-ACFA-C5AEC466A7CF}" type="datetimeFigureOut">
               <a:rPr lang="en-US" smtClean="0"/>
-              <a:t>5/13/2017</a:t>
+              <a:t>5/14/2017</a:t>
             </a:fld>
             <a:endParaRPr lang="en-US"/>
           </a:p>
@@ -2808,7 +2810,7 @@
           <a:p>
             <a:fld id="{802020DA-F7BC-453F-ACFA-C5AEC466A7CF}" type="datetimeFigureOut">
               <a:rPr lang="en-US" smtClean="0"/>
-              <a:t>5/13/2017</a:t>
+              <a:t>5/14/2017</a:t>
             </a:fld>
             <a:endParaRPr lang="en-US"/>
           </a:p>
@@ -2978,7 +2980,7 @@
           <a:p>
             <a:fld id="{802020DA-F7BC-453F-ACFA-C5AEC466A7CF}" type="datetimeFigureOut">
               <a:rPr lang="en-US" smtClean="0"/>
-              <a:t>5/13/2017</a:t>
+              <a:t>5/14/2017</a:t>
             </a:fld>
             <a:endParaRPr lang="en-US"/>
           </a:p>
@@ -3158,7 +3160,7 @@
           <a:p>
             <a:fld id="{802020DA-F7BC-453F-ACFA-C5AEC466A7CF}" type="datetimeFigureOut">
               <a:rPr lang="en-US" smtClean="0"/>
-              <a:t>5/13/2017</a:t>
+              <a:t>5/14/2017</a:t>
             </a:fld>
             <a:endParaRPr lang="en-US"/>
           </a:p>
@@ -3334,7 +3336,7 @@
           <a:p>
             <a:fld id="{802020DA-F7BC-453F-ACFA-C5AEC466A7CF}" type="datetimeFigureOut">
               <a:rPr lang="en-US" smtClean="0"/>
-              <a:t>5/13/2017</a:t>
+              <a:t>5/14/2017</a:t>
             </a:fld>
             <a:endParaRPr lang="en-US"/>
           </a:p>
@@ -3581,7 +3583,7 @@
           <a:p>
             <a:fld id="{802020DA-F7BC-453F-ACFA-C5AEC466A7CF}" type="datetimeFigureOut">
               <a:rPr lang="en-US" smtClean="0"/>
-              <a:t>5/13/2017</a:t>
+              <a:t>5/14/2017</a:t>
             </a:fld>
             <a:endParaRPr lang="en-US"/>
           </a:p>
@@ -3813,7 +3815,7 @@
           <a:p>
             <a:fld id="{802020DA-F7BC-453F-ACFA-C5AEC466A7CF}" type="datetimeFigureOut">
               <a:rPr lang="en-US" smtClean="0"/>
-              <a:t>5/13/2017</a:t>
+              <a:t>5/14/2017</a:t>
             </a:fld>
             <a:endParaRPr lang="en-US"/>
           </a:p>
@@ -4187,7 +4189,7 @@
           <a:p>
             <a:fld id="{802020DA-F7BC-453F-ACFA-C5AEC466A7CF}" type="datetimeFigureOut">
               <a:rPr lang="en-US" smtClean="0"/>
-              <a:t>5/13/2017</a:t>
+              <a:t>5/14/2017</a:t>
             </a:fld>
             <a:endParaRPr lang="en-US"/>
           </a:p>
@@ -4310,7 +4312,7 @@
           <a:p>
             <a:fld id="{802020DA-F7BC-453F-ACFA-C5AEC466A7CF}" type="datetimeFigureOut">
               <a:rPr lang="en-US" smtClean="0"/>
-              <a:t>5/13/2017</a:t>
+              <a:t>5/14/2017</a:t>
             </a:fld>
             <a:endParaRPr lang="en-US"/>
           </a:p>
@@ -4405,7 +4407,7 @@
           <a:p>
             <a:fld id="{802020DA-F7BC-453F-ACFA-C5AEC466A7CF}" type="datetimeFigureOut">
               <a:rPr lang="en-US" smtClean="0"/>
-              <a:t>5/13/2017</a:t>
+              <a:t>5/14/2017</a:t>
             </a:fld>
             <a:endParaRPr lang="en-US"/>
           </a:p>
@@ -4660,7 +4662,7 @@
           <a:p>
             <a:fld id="{802020DA-F7BC-453F-ACFA-C5AEC466A7CF}" type="datetimeFigureOut">
               <a:rPr lang="en-US" smtClean="0"/>
-              <a:t>5/13/2017</a:t>
+              <a:t>5/14/2017</a:t>
             </a:fld>
             <a:endParaRPr lang="en-US"/>
           </a:p>
@@ -4923,7 +4925,7 @@
           <a:p>
             <a:fld id="{802020DA-F7BC-453F-ACFA-C5AEC466A7CF}" type="datetimeFigureOut">
               <a:rPr lang="en-US" smtClean="0"/>
-              <a:t>5/13/2017</a:t>
+              <a:t>5/14/2017</a:t>
             </a:fld>
             <a:endParaRPr lang="en-US"/>
           </a:p>
@@ -5666,7 +5668,7 @@
           <a:p>
             <a:fld id="{802020DA-F7BC-453F-ACFA-C5AEC466A7CF}" type="datetimeFigureOut">
               <a:rPr lang="en-US" smtClean="0"/>
-              <a:t>5/13/2017</a:t>
+              <a:t>5/14/2017</a:t>
             </a:fld>
             <a:endParaRPr lang="en-US"/>
           </a:p>
@@ -6211,12 +6213,8 @@
           <a:lstStyle/>
           <a:p>
             <a:r>
-              <a:rPr lang="en-US" sz="4400" dirty="0" smtClean="0"/>
-              <a:t>Spring Term Progress </a:t>
-            </a:r>
-            <a:r>
               <a:rPr lang="en-US" sz="4400" dirty="0"/>
-              <a:t>Report </a:t>
+              <a:t>Spring Term Progress Report </a:t>
             </a:r>
           </a:p>
         </p:txBody>
@@ -6239,10 +6237,9 @@
           <a:lstStyle/>
           <a:p>
             <a:r>
-              <a:rPr lang="en-US" dirty="0" smtClean="0"/>
+              <a:rPr lang="en-US" dirty="0"/>
               <a:t>CS463</a:t>
             </a:r>
-            <a:endParaRPr lang="en-US" dirty="0"/>
           </a:p>
           <a:p>
             <a:r>
@@ -6262,6 +6259,548 @@
     <p:extLst>
       <p:ext uri="{BB962C8B-B14F-4D97-AF65-F5344CB8AC3E}">
         <p14:creationId xmlns:p14="http://schemas.microsoft.com/office/powerpoint/2010/main" val="1954746718"/>
+      </p:ext>
+    </p:extLst>
+  </p:cSld>
+  <p:clrMapOvr>
+    <a:masterClrMapping/>
+  </p:clrMapOvr>
+</p:sld>
+</file>
+
+<file path=ppt/slides/slide10.xml><?xml version="1.0" encoding="utf-8"?>
+<p:sld xmlns:a="http://schemas.openxmlformats.org/drawingml/2006/main" xmlns:r="http://schemas.openxmlformats.org/officeDocument/2006/relationships" xmlns:p="http://schemas.openxmlformats.org/presentationml/2006/main">
+  <p:cSld>
+    <p:spTree>
+      <p:nvGrpSpPr>
+        <p:cNvPr id="1" name=""/>
+        <p:cNvGrpSpPr/>
+        <p:nvPr/>
+      </p:nvGrpSpPr>
+      <p:grpSpPr>
+        <a:xfrm>
+          <a:off x="0" y="0"/>
+          <a:ext cx="0" cy="0"/>
+          <a:chOff x="0" y="0"/>
+          <a:chExt cx="0" cy="0"/>
+        </a:xfrm>
+      </p:grpSpPr>
+      <p:sp>
+        <p:nvSpPr>
+          <p:cNvPr id="2" name="Title 1"/>
+          <p:cNvSpPr>
+            <a:spLocks noGrp="1"/>
+          </p:cNvSpPr>
+          <p:nvPr>
+            <p:ph type="title"/>
+          </p:nvPr>
+        </p:nvSpPr>
+        <p:spPr/>
+        <p:txBody>
+          <a:bodyPr/>
+          <a:lstStyle/>
+          <a:p>
+            <a:r>
+              <a:rPr lang="en-US" dirty="0"/>
+              <a:t>Example of a cool piece of code</a:t>
+            </a:r>
+          </a:p>
+        </p:txBody>
+      </p:sp>
+      <p:sp>
+        <p:nvSpPr>
+          <p:cNvPr id="3" name="Content Placeholder 2"/>
+          <p:cNvSpPr>
+            <a:spLocks noGrp="1"/>
+          </p:cNvSpPr>
+          <p:nvPr>
+            <p:ph idx="1"/>
+          </p:nvPr>
+        </p:nvSpPr>
+        <p:spPr/>
+        <p:txBody>
+          <a:bodyPr>
+            <a:normAutofit fontScale="77500" lnSpcReduction="20000"/>
+          </a:bodyPr>
+          <a:lstStyle/>
+          <a:p>
+            <a:pPr marL="0" indent="0">
+              <a:buNone/>
+            </a:pPr>
+            <a:r>
+              <a:rPr lang="en-US" sz="1500" dirty="0"/>
+              <a:t> # Iterating through every </a:t>
+            </a:r>
+            <a:r>
+              <a:rPr lang="en-US" sz="1500" dirty="0" err="1"/>
+              <a:t>boxscore</a:t>
+            </a:r>
+            <a:r>
+              <a:rPr lang="en-US" sz="1500" dirty="0"/>
+              <a:t> </a:t>
+            </a:r>
+            <a:r>
+              <a:rPr lang="en-US" sz="1500" dirty="0" err="1"/>
+              <a:t>url</a:t>
+            </a:r>
+            <a:r>
+              <a:rPr lang="en-US" sz="1500" dirty="0"/>
+              <a:t>, fetching the data via creating Game objects</a:t>
+            </a:r>
+          </a:p>
+          <a:p>
+            <a:pPr marL="0" indent="0">
+              <a:buNone/>
+            </a:pPr>
+            <a:r>
+              <a:rPr lang="en-US" sz="1500" dirty="0"/>
+              <a:t>            for </a:t>
+            </a:r>
+            <a:r>
+              <a:rPr lang="en-US" sz="1500" dirty="0" err="1"/>
+              <a:t>url</a:t>
+            </a:r>
+            <a:r>
+              <a:rPr lang="en-US" sz="1500" dirty="0"/>
+              <a:t> in links:</a:t>
+            </a:r>
+          </a:p>
+          <a:p>
+            <a:pPr marL="0" indent="0">
+              <a:buNone/>
+            </a:pPr>
+            <a:r>
+              <a:rPr lang="en-US" sz="1500" dirty="0"/>
+              <a:t>                </a:t>
+            </a:r>
+            <a:r>
+              <a:rPr lang="en-US" sz="1500" dirty="0" err="1"/>
+              <a:t>game_id</a:t>
+            </a:r>
+            <a:r>
+              <a:rPr lang="en-US" sz="1500" dirty="0"/>
+              <a:t> = </a:t>
+            </a:r>
+            <a:r>
+              <a:rPr lang="en-US" sz="1500" dirty="0" err="1"/>
+              <a:t>url.split</a:t>
+            </a:r>
+            <a:r>
+              <a:rPr lang="en-US" sz="1500" dirty="0"/>
+              <a:t>("=")[-1]</a:t>
+            </a:r>
+          </a:p>
+          <a:p>
+            <a:pPr marL="0" indent="0">
+              <a:buNone/>
+            </a:pPr>
+            <a:r>
+              <a:rPr lang="en-US" sz="1500" dirty="0"/>
+              <a:t>                if </a:t>
+            </a:r>
+            <a:r>
+              <a:rPr lang="en-US" sz="1500" dirty="0" err="1"/>
+              <a:t>status_dict</a:t>
+            </a:r>
+            <a:r>
+              <a:rPr lang="en-US" sz="1500" dirty="0"/>
+              <a:t>[</a:t>
+            </a:r>
+            <a:r>
+              <a:rPr lang="en-US" sz="1500" dirty="0" err="1"/>
+              <a:t>game_id</a:t>
+            </a:r>
+            <a:r>
+              <a:rPr lang="en-US" sz="1500" dirty="0"/>
+              <a:t>] == 'Postponed' or </a:t>
+            </a:r>
+            <a:r>
+              <a:rPr lang="en-US" sz="1500" dirty="0" err="1"/>
+              <a:t>status_dict</a:t>
+            </a:r>
+            <a:r>
+              <a:rPr lang="en-US" sz="1500" dirty="0"/>
+              <a:t>[</a:t>
+            </a:r>
+            <a:r>
+              <a:rPr lang="en-US" sz="1500" dirty="0" err="1"/>
+              <a:t>game_id</a:t>
+            </a:r>
+            <a:r>
+              <a:rPr lang="en-US" sz="1500" dirty="0"/>
+              <a:t>] == 'Cancelled':</a:t>
+            </a:r>
+          </a:p>
+          <a:p>
+            <a:pPr marL="0" indent="0">
+              <a:buNone/>
+            </a:pPr>
+            <a:r>
+              <a:rPr lang="en-US" sz="1500" dirty="0"/>
+              <a:t>                    print "No Final Score for %s" % </a:t>
+            </a:r>
+            <a:r>
+              <a:rPr lang="en-US" sz="1500" dirty="0" err="1"/>
+              <a:t>url</a:t>
+            </a:r>
+            <a:endParaRPr lang="en-US" sz="1500" dirty="0"/>
+          </a:p>
+          <a:p>
+            <a:pPr marL="0" indent="0">
+              <a:buNone/>
+            </a:pPr>
+            <a:r>
+              <a:rPr lang="en-US" sz="1500" dirty="0"/>
+              <a:t>                    continue</a:t>
+            </a:r>
+          </a:p>
+          <a:p>
+            <a:pPr marL="0" indent="0">
+              <a:buNone/>
+            </a:pPr>
+            <a:r>
+              <a:rPr lang="en-US" sz="1500" dirty="0"/>
+              <a:t>                else:</a:t>
+            </a:r>
+          </a:p>
+          <a:p>
+            <a:pPr marL="0" indent="0">
+              <a:buNone/>
+            </a:pPr>
+            <a:r>
+              <a:rPr lang="en-US" sz="1500" dirty="0"/>
+              <a:t>                    # Making a small </a:t>
+            </a:r>
+            <a:r>
+              <a:rPr lang="en-US" sz="1500" dirty="0" err="1"/>
+              <a:t>dataframe</a:t>
+            </a:r>
+            <a:r>
+              <a:rPr lang="en-US" sz="1500" dirty="0"/>
+              <a:t> that contains tourney-specific information</a:t>
+            </a:r>
+          </a:p>
+          <a:p>
+            <a:pPr marL="0" indent="0">
+              <a:buNone/>
+            </a:pPr>
+            <a:r>
+              <a:rPr lang="en-US" sz="1500" dirty="0"/>
+              <a:t>                    </a:t>
+            </a:r>
+            <a:r>
+              <a:rPr lang="en-US" sz="1500" dirty="0" err="1"/>
+              <a:t>tourney_col</a:t>
+            </a:r>
+            <a:r>
+              <a:rPr lang="en-US" sz="1500" dirty="0"/>
+              <a:t> = ['Tournament', 'Round', '</a:t>
+            </a:r>
+            <a:r>
+              <a:rPr lang="en-US" sz="1500" dirty="0" err="1"/>
+              <a:t>Away_Seed</a:t>
+            </a:r>
+            <a:r>
+              <a:rPr lang="en-US" sz="1500" dirty="0"/>
+              <a:t>', '</a:t>
+            </a:r>
+            <a:r>
+              <a:rPr lang="en-US" sz="1500" dirty="0" err="1"/>
+              <a:t>Home_Seed</a:t>
+            </a:r>
+            <a:r>
+              <a:rPr lang="en-US" sz="1500" dirty="0"/>
+              <a:t>']</a:t>
+            </a:r>
+          </a:p>
+          <a:p>
+            <a:pPr marL="0" indent="0">
+              <a:buNone/>
+            </a:pPr>
+            <a:r>
+              <a:rPr lang="en-US" sz="1500" dirty="0"/>
+              <a:t>                    </a:t>
+            </a:r>
+            <a:r>
+              <a:rPr lang="en-US" sz="1500" dirty="0" err="1"/>
+              <a:t>ncaa</a:t>
+            </a:r>
+            <a:r>
+              <a:rPr lang="en-US" sz="1500" dirty="0"/>
+              <a:t> = False</a:t>
+            </a:r>
+          </a:p>
+          <a:p>
+            <a:pPr marL="0" indent="0">
+              <a:buNone/>
+            </a:pPr>
+            <a:r>
+              <a:rPr lang="en-US" sz="1500" dirty="0"/>
+              <a:t>                    data = </a:t>
+            </a:r>
+            <a:r>
+              <a:rPr lang="en-US" sz="1500" dirty="0" err="1"/>
+              <a:t>np.array</a:t>
+            </a:r>
+            <a:r>
+              <a:rPr lang="en-US" sz="1500" dirty="0"/>
+              <a:t>([</a:t>
+            </a:r>
+            <a:r>
+              <a:rPr lang="en-US" sz="1500" dirty="0" err="1"/>
+              <a:t>np.repeat</a:t>
+            </a:r>
+            <a:r>
+              <a:rPr lang="en-US" sz="1500" dirty="0"/>
+              <a:t>(np.nan,4)])</a:t>
+            </a:r>
+          </a:p>
+          <a:p>
+            <a:pPr marL="0" indent="0">
+              <a:buNone/>
+            </a:pPr>
+            <a:r>
+              <a:rPr lang="en-US" sz="1500" dirty="0"/>
+              <a:t>                    </a:t>
+            </a:r>
+            <a:r>
+              <a:rPr lang="en-US" sz="1500" dirty="0" err="1"/>
+              <a:t>tourney_df</a:t>
+            </a:r>
+            <a:r>
+              <a:rPr lang="en-US" sz="1500" dirty="0"/>
+              <a:t> = </a:t>
+            </a:r>
+            <a:r>
+              <a:rPr lang="en-US" sz="1500" dirty="0" err="1"/>
+              <a:t>pd.DataFrame</a:t>
+            </a:r>
+            <a:r>
+              <a:rPr lang="en-US" sz="1500" dirty="0"/>
+              <a:t>(data, columns=</a:t>
+            </a:r>
+            <a:r>
+              <a:rPr lang="en-US" sz="1500" dirty="0" err="1"/>
+              <a:t>tourney_col</a:t>
+            </a:r>
+            <a:r>
+              <a:rPr lang="en-US" sz="1500" dirty="0"/>
+              <a:t>)</a:t>
+            </a:r>
+            <a:endParaRPr lang="en-US" sz="1500" dirty="0"/>
+          </a:p>
+          <a:p>
+            <a:pPr marL="0" indent="0">
+              <a:buNone/>
+            </a:pPr>
+            <a:r>
+              <a:rPr lang="en-US" dirty="0"/>
+              <a:t>	This code iterates through ESPN’s </a:t>
+            </a:r>
+            <a:r>
+              <a:rPr lang="en-US" dirty="0" err="1"/>
+              <a:t>boxscore’s</a:t>
+            </a:r>
+            <a:r>
+              <a:rPr lang="en-US" dirty="0"/>
+              <a:t> and records the data. First it checks to make sure the game was played then it records a couple specific stats for the tourney.</a:t>
+            </a:r>
+          </a:p>
+        </p:txBody>
+      </p:sp>
+    </p:spTree>
+    <p:extLst>
+      <p:ext uri="{BB962C8B-B14F-4D97-AF65-F5344CB8AC3E}">
+        <p14:creationId xmlns:p14="http://schemas.microsoft.com/office/powerpoint/2010/main" val="1043070175"/>
+      </p:ext>
+    </p:extLst>
+  </p:cSld>
+  <p:clrMapOvr>
+    <a:masterClrMapping/>
+  </p:clrMapOvr>
+</p:sld>
+</file>
+
+<file path=ppt/slides/slide11.xml><?xml version="1.0" encoding="utf-8"?>
+<p:sld xmlns:a="http://schemas.openxmlformats.org/drawingml/2006/main" xmlns:r="http://schemas.openxmlformats.org/officeDocument/2006/relationships" xmlns:p="http://schemas.openxmlformats.org/presentationml/2006/main">
+  <p:cSld>
+    <p:spTree>
+      <p:nvGrpSpPr>
+        <p:cNvPr id="1" name=""/>
+        <p:cNvGrpSpPr/>
+        <p:nvPr/>
+      </p:nvGrpSpPr>
+      <p:grpSpPr>
+        <a:xfrm>
+          <a:off x="0" y="0"/>
+          <a:ext cx="0" cy="0"/>
+          <a:chOff x="0" y="0"/>
+          <a:chExt cx="0" cy="0"/>
+        </a:xfrm>
+      </p:grpSpPr>
+      <p:sp>
+        <p:nvSpPr>
+          <p:cNvPr id="2" name="Title 1"/>
+          <p:cNvSpPr>
+            <a:spLocks noGrp="1"/>
+          </p:cNvSpPr>
+          <p:nvPr>
+            <p:ph type="title"/>
+          </p:nvPr>
+        </p:nvSpPr>
+        <p:spPr/>
+        <p:txBody>
+          <a:bodyPr/>
+          <a:lstStyle/>
+          <a:p>
+            <a:r>
+              <a:rPr lang="en-US" dirty="0"/>
+              <a:t>Project demonstration</a:t>
+            </a:r>
+          </a:p>
+        </p:txBody>
+      </p:sp>
+      <p:sp>
+        <p:nvSpPr>
+          <p:cNvPr id="3" name="Content Placeholder 2"/>
+          <p:cNvSpPr>
+            <a:spLocks noGrp="1"/>
+          </p:cNvSpPr>
+          <p:nvPr>
+            <p:ph idx="1"/>
+          </p:nvPr>
+        </p:nvSpPr>
+        <p:spPr/>
+        <p:txBody>
+          <a:bodyPr/>
+          <a:lstStyle/>
+          <a:p>
+            <a:endParaRPr lang="en-US"/>
+          </a:p>
+        </p:txBody>
+      </p:sp>
+    </p:spTree>
+    <p:extLst>
+      <p:ext uri="{BB962C8B-B14F-4D97-AF65-F5344CB8AC3E}">
+        <p14:creationId xmlns:p14="http://schemas.microsoft.com/office/powerpoint/2010/main" val="844968770"/>
+      </p:ext>
+    </p:extLst>
+  </p:cSld>
+  <p:clrMapOvr>
+    <a:masterClrMapping/>
+  </p:clrMapOvr>
+</p:sld>
+</file>
+
+<file path=ppt/slides/slide12.xml><?xml version="1.0" encoding="utf-8"?>
+<p:sld xmlns:a="http://schemas.openxmlformats.org/drawingml/2006/main" xmlns:r="http://schemas.openxmlformats.org/officeDocument/2006/relationships" xmlns:p="http://schemas.openxmlformats.org/presentationml/2006/main">
+  <p:cSld>
+    <p:spTree>
+      <p:nvGrpSpPr>
+        <p:cNvPr id="1" name=""/>
+        <p:cNvGrpSpPr/>
+        <p:nvPr/>
+      </p:nvGrpSpPr>
+      <p:grpSpPr>
+        <a:xfrm>
+          <a:off x="0" y="0"/>
+          <a:ext cx="0" cy="0"/>
+          <a:chOff x="0" y="0"/>
+          <a:chExt cx="0" cy="0"/>
+        </a:xfrm>
+      </p:grpSpPr>
+      <p:sp>
+        <p:nvSpPr>
+          <p:cNvPr id="2" name="Title 1"/>
+          <p:cNvSpPr>
+            <a:spLocks noGrp="1"/>
+          </p:cNvSpPr>
+          <p:nvPr>
+            <p:ph type="title"/>
+          </p:nvPr>
+        </p:nvSpPr>
+        <p:spPr/>
+        <p:txBody>
+          <a:bodyPr/>
+          <a:lstStyle/>
+          <a:p>
+            <a:r>
+              <a:rPr lang="en-US" dirty="0"/>
+              <a:t>Expo Pitch</a:t>
+            </a:r>
+          </a:p>
+        </p:txBody>
+      </p:sp>
+      <p:sp>
+        <p:nvSpPr>
+          <p:cNvPr id="3" name="Content Placeholder 2"/>
+          <p:cNvSpPr>
+            <a:spLocks noGrp="1"/>
+          </p:cNvSpPr>
+          <p:nvPr>
+            <p:ph idx="1"/>
+          </p:nvPr>
+        </p:nvSpPr>
+        <p:spPr/>
+        <p:txBody>
+          <a:bodyPr/>
+          <a:lstStyle/>
+          <a:p>
+            <a:pPr>
+              <a:buFont typeface="Arial" panose="020B0604020202020204" pitchFamily="34" charset="0"/>
+              <a:buChar char="•"/>
+            </a:pPr>
+            <a:r>
+              <a:rPr lang="en-US" dirty="0"/>
+              <a:t>Materials we will have</a:t>
+            </a:r>
+          </a:p>
+          <a:p>
+            <a:pPr>
+              <a:buFont typeface="Arial" panose="020B0604020202020204" pitchFamily="34" charset="0"/>
+              <a:buChar char="•"/>
+            </a:pPr>
+            <a:r>
+              <a:rPr lang="en-US" dirty="0"/>
+              <a:t>Background</a:t>
+            </a:r>
+          </a:p>
+          <a:p>
+            <a:pPr>
+              <a:buFont typeface="Arial" panose="020B0604020202020204" pitchFamily="34" charset="0"/>
+              <a:buChar char="•"/>
+            </a:pPr>
+            <a:r>
+              <a:rPr lang="en-US" dirty="0"/>
+              <a:t>Purpose</a:t>
+            </a:r>
+          </a:p>
+          <a:p>
+            <a:pPr>
+              <a:buFont typeface="Arial" panose="020B0604020202020204" pitchFamily="34" charset="0"/>
+              <a:buChar char="•"/>
+            </a:pPr>
+            <a:r>
+              <a:rPr lang="en-US" dirty="0"/>
+              <a:t>How it works</a:t>
+            </a:r>
+          </a:p>
+          <a:p>
+            <a:pPr>
+              <a:buFont typeface="Arial" panose="020B0604020202020204" pitchFamily="34" charset="0"/>
+              <a:buChar char="•"/>
+            </a:pPr>
+            <a:r>
+              <a:rPr lang="en-US" dirty="0"/>
+              <a:t>Results</a:t>
+            </a:r>
+          </a:p>
+        </p:txBody>
+      </p:sp>
+    </p:spTree>
+    <p:extLst>
+      <p:ext uri="{BB962C8B-B14F-4D97-AF65-F5344CB8AC3E}">
+        <p14:creationId xmlns:p14="http://schemas.microsoft.com/office/powerpoint/2010/main" val="1774148299"/>
       </p:ext>
     </p:extLst>
   </p:cSld>
@@ -6304,10 +6843,9 @@
           <a:lstStyle/>
           <a:p>
             <a:r>
-              <a:rPr lang="en-US" dirty="0" smtClean="0"/>
+              <a:rPr lang="en-US" dirty="0"/>
               <a:t>Brief recap of project purpose and goals</a:t>
             </a:r>
-            <a:endParaRPr lang="en-US" dirty="0"/>
           </a:p>
         </p:txBody>
       </p:sp>
@@ -6333,16 +6871,8 @@
               <a:buChar char="•"/>
             </a:pPr>
             <a:r>
-              <a:rPr lang="en-US" dirty="0" smtClean="0"/>
-              <a:t>Background: Machine </a:t>
-            </a:r>
-            <a:r>
               <a:rPr lang="en-US" dirty="0"/>
-              <a:t>learning is used by </a:t>
-            </a:r>
-            <a:r>
-              <a:rPr lang="en-US" dirty="0" smtClean="0"/>
-              <a:t>Biochemistry/Biophysics. </a:t>
+              <a:t>Background: Machine learning is used by Biochemistry/Biophysics. </a:t>
             </a:r>
           </a:p>
           <a:p>
@@ -6351,12 +6881,8 @@
               <a:buChar char="•"/>
             </a:pPr>
             <a:r>
-              <a:rPr lang="en-US" dirty="0" smtClean="0"/>
-              <a:t>Purpose: Our </a:t>
-            </a:r>
-            <a:r>
               <a:rPr lang="en-US" dirty="0"/>
-              <a:t>client, Dr. Victor Hsu, is a professor in the Biochemistry and Biophysics department at OSU who recognized that his students should understand machine learning in order to prepare them for their careers. </a:t>
+              <a:t>Purpose: Our client, Dr. Victor Hsu, is a professor in the Biochemistry and Biophysics department at OSU who recognized that his students should understand machine learning in order to prepare them for their careers. </a:t>
             </a:r>
           </a:p>
           <a:p>
@@ -6365,10 +6891,9 @@
               <a:buChar char="•"/>
             </a:pPr>
             <a:r>
-              <a:rPr lang="en-US" dirty="0" smtClean="0"/>
+              <a:rPr lang="en-US" dirty="0"/>
               <a:t>No opportunity for them to learn it, hard to learn it from its application to BC/BP.</a:t>
             </a:r>
-            <a:endParaRPr lang="en-US" dirty="0"/>
           </a:p>
           <a:p>
             <a:pPr>
@@ -6376,16 +6901,8 @@
               <a:buChar char="•"/>
             </a:pPr>
             <a:r>
-              <a:rPr lang="en-US" dirty="0" smtClean="0"/>
-              <a:t>Goal: Produce an online module </a:t>
-            </a:r>
-            <a:r>
               <a:rPr lang="en-US" dirty="0"/>
-              <a:t>where </a:t>
-            </a:r>
-            <a:r>
-              <a:rPr lang="en-US" dirty="0" smtClean="0"/>
-              <a:t>BC/BP students could learn machine learning.</a:t>
+              <a:t>Goal: Produce an online module where BC/BP students could learn machine learning.</a:t>
             </a:r>
           </a:p>
           <a:p>
@@ -6394,10 +6911,9 @@
               <a:buChar char="•"/>
             </a:pPr>
             <a:r>
-              <a:rPr lang="en-US" dirty="0" smtClean="0"/>
+              <a:rPr lang="en-US" dirty="0"/>
               <a:t>Idea: User chooses machine learning algorithm and college basketball statistics to train a model on, can observe how differences in statistics and algorithm choice influence a March Madness bracket that is generated.</a:t>
             </a:r>
-            <a:endParaRPr lang="en-US" dirty="0"/>
           </a:p>
         </p:txBody>
       </p:sp>
@@ -6447,10 +6963,9 @@
           <a:lstStyle/>
           <a:p>
             <a:r>
-              <a:rPr lang="en-US" dirty="0" smtClean="0"/>
+              <a:rPr lang="en-US" dirty="0"/>
               <a:t>Where Alex Is On the Project</a:t>
             </a:r>
-            <a:endParaRPr lang="en-US" dirty="0"/>
           </a:p>
         </p:txBody>
       </p:sp>
@@ -6470,13 +6985,13 @@
           <a:lstStyle/>
           <a:p>
             <a:r>
-              <a:rPr lang="en-US" dirty="0" smtClean="0"/>
+              <a:rPr lang="en-US" dirty="0"/>
               <a:t>All of Alex’s requirements fulfilled as of last term</a:t>
             </a:r>
           </a:p>
           <a:p>
             <a:r>
-              <a:rPr lang="en-US" dirty="0" smtClean="0"/>
+              <a:rPr lang="en-US" dirty="0"/>
               <a:t>Still could make generated brackets look nicer, but changes won’t be in the product presented at Expo</a:t>
             </a:r>
           </a:p>
@@ -6485,7 +7000,7 @@
     </p:spTree>
     <p:extLst>
       <p:ext uri="{BB962C8B-B14F-4D97-AF65-F5344CB8AC3E}">
-        <p14:creationId xmlns:p14="http://schemas.microsoft.com/office/powerpoint/2010/main" val="3980131000"/>
+        <p14:creationId xmlns:p14="http://schemas.microsoft.com/office/powerpoint/2010/main" val="715872490"/>
       </p:ext>
     </p:extLst>
   </p:cSld>
@@ -6528,10 +7043,9 @@
           <a:lstStyle/>
           <a:p>
             <a:r>
-              <a:rPr lang="en-US" dirty="0" smtClean="0"/>
+              <a:rPr lang="en-US" dirty="0"/>
               <a:t>Problems Alex Encountered</a:t>
             </a:r>
-            <a:endParaRPr lang="en-US" dirty="0"/>
           </a:p>
         </p:txBody>
       </p:sp>
@@ -6551,22 +7065,21 @@
           <a:lstStyle/>
           <a:p>
             <a:r>
-              <a:rPr lang="en-US" dirty="0" smtClean="0"/>
+              <a:rPr lang="en-US" dirty="0"/>
               <a:t>JavaScript difficulties. Solution: tutorials, bootstrapping</a:t>
             </a:r>
           </a:p>
           <a:p>
             <a:r>
-              <a:rPr lang="en-US" dirty="0" smtClean="0"/>
+              <a:rPr lang="en-US" dirty="0"/>
               <a:t>Cross-compatibility among browsers (action item)</a:t>
             </a:r>
           </a:p>
           <a:p>
             <a:r>
-              <a:rPr lang="en-US" dirty="0" smtClean="0"/>
+              <a:rPr lang="en-US" dirty="0"/>
               <a:t>Group issue: Oregon State server does not support embedded Python, looked to AWS as solution</a:t>
             </a:r>
-            <a:endParaRPr lang="en-US" dirty="0"/>
           </a:p>
         </p:txBody>
       </p:sp>
@@ -6616,10 +7129,9 @@
           <a:lstStyle/>
           <a:p>
             <a:r>
-              <a:rPr lang="en-US" dirty="0" smtClean="0"/>
+              <a:rPr lang="en-US" dirty="0"/>
               <a:t>Example of a cool piece of code</a:t>
             </a:r>
-            <a:endParaRPr lang="en-US" dirty="0"/>
           </a:p>
         </p:txBody>
       </p:sp>
@@ -6702,10 +7214,9 @@
               <a:buNone/>
             </a:pPr>
             <a:r>
-              <a:rPr lang="en-US" dirty="0" smtClean="0"/>
+              <a:rPr lang="en-US" dirty="0"/>
               <a:t>	HTML code that utilizes CSS and JavaScript to show a “Mail” button that the user clicks on to send me an email if the user has a question about the project. A picture of this in action is on the next slide.</a:t>
             </a:r>
-            <a:endParaRPr lang="en-US" dirty="0"/>
           </a:p>
         </p:txBody>
       </p:sp>
@@ -6755,10 +7266,9 @@
           <a:lstStyle/>
           <a:p>
             <a:r>
-              <a:rPr lang="en-US" dirty="0" smtClean="0"/>
+              <a:rPr lang="en-US" dirty="0"/>
               <a:t>Sample screenshot: “About the Developers” page.</a:t>
             </a:r>
-            <a:endParaRPr lang="en-US" dirty="0"/>
           </a:p>
         </p:txBody>
       </p:sp>
@@ -6838,10 +7348,9 @@
           <a:lstStyle/>
           <a:p>
             <a:r>
-              <a:rPr lang="en-US" dirty="0" smtClean="0"/>
+              <a:rPr lang="en-US" dirty="0"/>
               <a:t>Walkthrough of code of Alex’s requirements</a:t>
             </a:r>
-            <a:endParaRPr lang="en-US" dirty="0"/>
           </a:p>
         </p:txBody>
       </p:sp>
@@ -6854,25 +7363,25 @@
           <p:nvPr>
             <p:extLst>
               <p:ext uri="{D42A27DB-BD31-4B8C-83A1-F6EECF244321}">
-                <p14:modId xmlns:p14="http://schemas.microsoft.com/office/powerpoint/2010/main" val="2245715363"/>
+                <p14:modId xmlns:p14="http://schemas.microsoft.com/office/powerpoint/2010/main" val="3528811402"/>
               </p:ext>
             </p:extLst>
           </p:nvPr>
         </p:nvGraphicFramePr>
         <p:xfrm>
-          <a:off x="2552633" y="2813251"/>
-          <a:ext cx="6040868" cy="1007978"/>
+          <a:off x="2881313" y="2889250"/>
+          <a:ext cx="5381625" cy="854075"/>
         </p:xfrm>
         <a:graphic>
           <a:graphicData uri="http://schemas.openxmlformats.org/presentationml/2006/ole">
             <mc:AlternateContent xmlns:mc="http://schemas.openxmlformats.org/markup-compatibility/2006">
               <mc:Choice xmlns:v="urn:schemas-microsoft-com:vml" Requires="v">
-                <p:oleObj spid="_x0000_s1029" name="Packager Shell Object" showAsIcon="1" r:id="rId3" imgW="2739600" imgH="456480" progId="Package">
+                <p:oleObj spid="_x0000_s1033" name="Packager Shell Object" showAsIcon="1" r:id="rId3" imgW="2442240" imgH="387000" progId="Package">
                   <p:embed/>
                 </p:oleObj>
               </mc:Choice>
               <mc:Fallback>
-                <p:oleObj name="Packager Shell Object" showAsIcon="1" r:id="rId3" imgW="2739600" imgH="456480" progId="Package">
+                <p:oleObj name="Packager Shell Object" showAsIcon="1" r:id="rId3" imgW="2442240" imgH="387000" progId="Package">
                   <p:embed/>
                   <p:pic>
                     <p:nvPicPr>
@@ -6888,8 +7397,8 @@
                     </p:blipFill>
                     <p:spPr>
                       <a:xfrm>
-                        <a:off x="2552633" y="2813251"/>
-                        <a:ext cx="6040868" cy="1007978"/>
+                        <a:off x="2881313" y="2889250"/>
+                        <a:ext cx="5381625" cy="854075"/>
                       </a:xfrm>
                       <a:prstGeom prst="rect">
                         <a:avLst/>
@@ -6948,10 +7457,9 @@
           <a:lstStyle/>
           <a:p>
             <a:r>
-              <a:rPr lang="en-US" dirty="0" smtClean="0"/>
-              <a:t>Expo Pitch</a:t>
-            </a:r>
-            <a:endParaRPr lang="en-US" dirty="0"/>
+              <a:rPr lang="en-US" dirty="0"/>
+              <a:t>Where Jake Is On the Project</a:t>
+            </a:r>
           </a:p>
         </p:txBody>
       </p:sp>
@@ -6970,62 +7478,23 @@
           <a:bodyPr/>
           <a:lstStyle/>
           <a:p>
-            <a:pPr>
-              <a:buFont typeface="Arial" panose="020B0604020202020204" pitchFamily="34" charset="0"/>
-              <a:buChar char="•"/>
-            </a:pPr>
-            <a:r>
-              <a:rPr lang="en-US" dirty="0" smtClean="0"/>
-              <a:t>Materials we will have</a:t>
-            </a:r>
-          </a:p>
-          <a:p>
-            <a:pPr>
-              <a:buFont typeface="Arial" panose="020B0604020202020204" pitchFamily="34" charset="0"/>
-              <a:buChar char="•"/>
-            </a:pPr>
-            <a:r>
-              <a:rPr lang="en-US" dirty="0" smtClean="0"/>
-              <a:t>Background</a:t>
-            </a:r>
-          </a:p>
-          <a:p>
-            <a:pPr>
-              <a:buFont typeface="Arial" panose="020B0604020202020204" pitchFamily="34" charset="0"/>
-              <a:buChar char="•"/>
-            </a:pPr>
-            <a:r>
-              <a:rPr lang="en-US" dirty="0" smtClean="0"/>
-              <a:t>Purpose</a:t>
-            </a:r>
-          </a:p>
-          <a:p>
-            <a:pPr>
-              <a:buFont typeface="Arial" panose="020B0604020202020204" pitchFamily="34" charset="0"/>
-              <a:buChar char="•"/>
-            </a:pPr>
-            <a:r>
-              <a:rPr lang="en-US" dirty="0" smtClean="0"/>
-              <a:t>How it works</a:t>
-            </a:r>
-          </a:p>
-          <a:p>
-            <a:pPr>
-              <a:buFont typeface="Arial" panose="020B0604020202020204" pitchFamily="34" charset="0"/>
-              <a:buChar char="•"/>
-            </a:pPr>
-            <a:r>
-              <a:rPr lang="en-US" dirty="0" smtClean="0"/>
-              <a:t>Results</a:t>
-            </a:r>
-            <a:endParaRPr lang="en-US" dirty="0"/>
+            <a:r>
+              <a:rPr lang="en-US" dirty="0"/>
+              <a:t>All of Jake’s requirements were fulfilled as of last term</a:t>
+            </a:r>
+          </a:p>
+          <a:p>
+            <a:r>
+              <a:rPr lang="en-US" dirty="0"/>
+              <a:t>Still could add more data from this years tournament to see how it affects the outcomes.</a:t>
+            </a:r>
           </a:p>
         </p:txBody>
       </p:sp>
     </p:spTree>
     <p:extLst>
       <p:ext uri="{BB962C8B-B14F-4D97-AF65-F5344CB8AC3E}">
-        <p14:creationId xmlns:p14="http://schemas.microsoft.com/office/powerpoint/2010/main" val="1774148299"/>
+        <p14:creationId xmlns:p14="http://schemas.microsoft.com/office/powerpoint/2010/main" val="3980131000"/>
       </p:ext>
     </p:extLst>
   </p:cSld>
@@ -7068,10 +7537,9 @@
           <a:lstStyle/>
           <a:p>
             <a:r>
-              <a:rPr lang="en-US" dirty="0" smtClean="0"/>
-              <a:t>Project demonstration</a:t>
-            </a:r>
-            <a:endParaRPr lang="en-US" dirty="0"/>
+              <a:rPr lang="en-US" dirty="0"/>
+              <a:t>Problems Jake Encountered</a:t>
+            </a:r>
           </a:p>
         </p:txBody>
       </p:sp>
@@ -7090,14 +7558,29 @@
           <a:bodyPr/>
           <a:lstStyle/>
           <a:p>
-            <a:endParaRPr lang="en-US"/>
+            <a:r>
+              <a:rPr lang="en-US" dirty="0"/>
+              <a:t>Data set didn’t include this years data so I had to manually pull the data</a:t>
+            </a:r>
+          </a:p>
+          <a:p>
+            <a:r>
+              <a:rPr lang="en-US" dirty="0"/>
+              <a:t>Had difficulties with python scripts for scraping data as it would produce a lot of duplicates</a:t>
+            </a:r>
+          </a:p>
+          <a:p>
+            <a:r>
+              <a:rPr lang="en-US" dirty="0"/>
+              <a:t>Group issue: Free version of AWS is slow with large amounts of data so scripts take a long time to run.</a:t>
+            </a:r>
           </a:p>
         </p:txBody>
       </p:sp>
     </p:spTree>
     <p:extLst>
       <p:ext uri="{BB962C8B-B14F-4D97-AF65-F5344CB8AC3E}">
-        <p14:creationId xmlns:p14="http://schemas.microsoft.com/office/powerpoint/2010/main" val="844968770"/>
+        <p14:creationId xmlns:p14="http://schemas.microsoft.com/office/powerpoint/2010/main" val="39419855"/>
       </p:ext>
     </p:extLst>
   </p:cSld>

--- a/SpringTermProgressReport/SpringProgressReportSlides.pptx
+++ b/SpringTermProgressReport/SpringProgressReportSlides.pptx
@@ -5,7 +5,7 @@
     <p:sldMasterId id="2147483660" r:id="rId1"/>
   </p:sldMasterIdLst>
   <p:notesMasterIdLst>
-    <p:notesMasterId r:id="rId14"/>
+    <p:notesMasterId r:id="rId16"/>
   </p:notesMasterIdLst>
   <p:sldIdLst>
     <p:sldId id="256" r:id="rId2"/>
@@ -18,8 +18,10 @@
     <p:sldId id="276" r:id="rId9"/>
     <p:sldId id="281" r:id="rId10"/>
     <p:sldId id="282" r:id="rId11"/>
-    <p:sldId id="274" r:id="rId12"/>
-    <p:sldId id="272" r:id="rId13"/>
+    <p:sldId id="283" r:id="rId12"/>
+    <p:sldId id="284" r:id="rId13"/>
+    <p:sldId id="274" r:id="rId14"/>
+    <p:sldId id="272" r:id="rId15"/>
   </p:sldIdLst>
   <p:sldSz cx="12192000" cy="6858000"/>
   <p:notesSz cx="6858000" cy="9144000"/>
@@ -208,7 +210,7 @@
           <a:p>
             <a:fld id="{71982671-267A-1147-8AC4-B0464A01763F}" type="datetimeFigureOut">
               <a:rPr lang="en-US" smtClean="0"/>
-              <a:t>5/14/2017</a:t>
+              <a:t>5/15/17</a:t>
             </a:fld>
             <a:endParaRPr lang="en-US"/>
           </a:p>
@@ -1197,7 +1199,7 @@
           <a:p>
             <a:fld id="{802020DA-F7BC-453F-ACFA-C5AEC466A7CF}" type="datetimeFigureOut">
               <a:rPr lang="en-US" smtClean="0"/>
-              <a:t>5/14/2017</a:t>
+              <a:t>5/15/17</a:t>
             </a:fld>
             <a:endParaRPr lang="en-US"/>
           </a:p>
@@ -1448,7 +1450,7 @@
           <a:p>
             <a:fld id="{802020DA-F7BC-453F-ACFA-C5AEC466A7CF}" type="datetimeFigureOut">
               <a:rPr lang="en-US" smtClean="0"/>
-              <a:t>5/14/2017</a:t>
+              <a:t>5/15/17</a:t>
             </a:fld>
             <a:endParaRPr lang="en-US"/>
           </a:p>
@@ -1762,7 +1764,7 @@
           <a:p>
             <a:fld id="{802020DA-F7BC-453F-ACFA-C5AEC466A7CF}" type="datetimeFigureOut">
               <a:rPr lang="en-US" smtClean="0"/>
-              <a:t>5/14/2017</a:t>
+              <a:t>5/15/17</a:t>
             </a:fld>
             <a:endParaRPr lang="en-US"/>
           </a:p>
@@ -2103,7 +2105,7 @@
           <a:p>
             <a:fld id="{802020DA-F7BC-453F-ACFA-C5AEC466A7CF}" type="datetimeFigureOut">
               <a:rPr lang="en-US" smtClean="0"/>
-              <a:t>5/14/2017</a:t>
+              <a:t>5/15/17</a:t>
             </a:fld>
             <a:endParaRPr lang="en-US"/>
           </a:p>
@@ -2417,7 +2419,7 @@
           <a:p>
             <a:fld id="{802020DA-F7BC-453F-ACFA-C5AEC466A7CF}" type="datetimeFigureOut">
               <a:rPr lang="en-US" smtClean="0"/>
-              <a:t>5/14/2017</a:t>
+              <a:t>5/15/17</a:t>
             </a:fld>
             <a:endParaRPr lang="en-US"/>
           </a:p>
@@ -2810,7 +2812,7 @@
           <a:p>
             <a:fld id="{802020DA-F7BC-453F-ACFA-C5AEC466A7CF}" type="datetimeFigureOut">
               <a:rPr lang="en-US" smtClean="0"/>
-              <a:t>5/14/2017</a:t>
+              <a:t>5/15/17</a:t>
             </a:fld>
             <a:endParaRPr lang="en-US"/>
           </a:p>
@@ -2980,7 +2982,7 @@
           <a:p>
             <a:fld id="{802020DA-F7BC-453F-ACFA-C5AEC466A7CF}" type="datetimeFigureOut">
               <a:rPr lang="en-US" smtClean="0"/>
-              <a:t>5/14/2017</a:t>
+              <a:t>5/15/17</a:t>
             </a:fld>
             <a:endParaRPr lang="en-US"/>
           </a:p>
@@ -3160,7 +3162,7 @@
           <a:p>
             <a:fld id="{802020DA-F7BC-453F-ACFA-C5AEC466A7CF}" type="datetimeFigureOut">
               <a:rPr lang="en-US" smtClean="0"/>
-              <a:t>5/14/2017</a:t>
+              <a:t>5/15/17</a:t>
             </a:fld>
             <a:endParaRPr lang="en-US"/>
           </a:p>
@@ -3336,7 +3338,7 @@
           <a:p>
             <a:fld id="{802020DA-F7BC-453F-ACFA-C5AEC466A7CF}" type="datetimeFigureOut">
               <a:rPr lang="en-US" smtClean="0"/>
-              <a:t>5/14/2017</a:t>
+              <a:t>5/15/17</a:t>
             </a:fld>
             <a:endParaRPr lang="en-US"/>
           </a:p>
@@ -3583,7 +3585,7 @@
           <a:p>
             <a:fld id="{802020DA-F7BC-453F-ACFA-C5AEC466A7CF}" type="datetimeFigureOut">
               <a:rPr lang="en-US" smtClean="0"/>
-              <a:t>5/14/2017</a:t>
+              <a:t>5/15/17</a:t>
             </a:fld>
             <a:endParaRPr lang="en-US"/>
           </a:p>
@@ -3815,7 +3817,7 @@
           <a:p>
             <a:fld id="{802020DA-F7BC-453F-ACFA-C5AEC466A7CF}" type="datetimeFigureOut">
               <a:rPr lang="en-US" smtClean="0"/>
-              <a:t>5/14/2017</a:t>
+              <a:t>5/15/17</a:t>
             </a:fld>
             <a:endParaRPr lang="en-US"/>
           </a:p>
@@ -4189,7 +4191,7 @@
           <a:p>
             <a:fld id="{802020DA-F7BC-453F-ACFA-C5AEC466A7CF}" type="datetimeFigureOut">
               <a:rPr lang="en-US" smtClean="0"/>
-              <a:t>5/14/2017</a:t>
+              <a:t>5/15/17</a:t>
             </a:fld>
             <a:endParaRPr lang="en-US"/>
           </a:p>
@@ -4312,7 +4314,7 @@
           <a:p>
             <a:fld id="{802020DA-F7BC-453F-ACFA-C5AEC466A7CF}" type="datetimeFigureOut">
               <a:rPr lang="en-US" smtClean="0"/>
-              <a:t>5/14/2017</a:t>
+              <a:t>5/15/17</a:t>
             </a:fld>
             <a:endParaRPr lang="en-US"/>
           </a:p>
@@ -4407,7 +4409,7 @@
           <a:p>
             <a:fld id="{802020DA-F7BC-453F-ACFA-C5AEC466A7CF}" type="datetimeFigureOut">
               <a:rPr lang="en-US" smtClean="0"/>
-              <a:t>5/14/2017</a:t>
+              <a:t>5/15/17</a:t>
             </a:fld>
             <a:endParaRPr lang="en-US"/>
           </a:p>
@@ -4662,7 +4664,7 @@
           <a:p>
             <a:fld id="{802020DA-F7BC-453F-ACFA-C5AEC466A7CF}" type="datetimeFigureOut">
               <a:rPr lang="en-US" smtClean="0"/>
-              <a:t>5/14/2017</a:t>
+              <a:t>5/15/17</a:t>
             </a:fld>
             <a:endParaRPr lang="en-US"/>
           </a:p>
@@ -4925,7 +4927,7 @@
           <a:p>
             <a:fld id="{802020DA-F7BC-453F-ACFA-C5AEC466A7CF}" type="datetimeFigureOut">
               <a:rPr lang="en-US" smtClean="0"/>
-              <a:t>5/14/2017</a:t>
+              <a:t>5/15/17</a:t>
             </a:fld>
             <a:endParaRPr lang="en-US"/>
           </a:p>
@@ -5668,7 +5670,7 @@
           <a:p>
             <a:fld id="{802020DA-F7BC-453F-ACFA-C5AEC466A7CF}" type="datetimeFigureOut">
               <a:rPr lang="en-US" smtClean="0"/>
-              <a:t>5/14/2017</a:t>
+              <a:t>5/15/17</a:t>
             </a:fld>
             <a:endParaRPr lang="en-US"/>
           </a:p>
@@ -6587,7 +6589,6 @@
               <a:rPr lang="en-US" sz="1500" dirty="0"/>
               <a:t>)</a:t>
             </a:r>
-            <a:endParaRPr lang="en-US" sz="1500" dirty="0"/>
           </a:p>
           <a:p>
             <a:pPr marL="0" indent="0">
@@ -6655,7 +6656,19 @@
           <a:p>
             <a:r>
               <a:rPr lang="en-US" dirty="0"/>
-              <a:t>Project demonstration</a:t>
+              <a:t>Where </a:t>
+            </a:r>
+            <a:r>
+              <a:rPr lang="en-US" dirty="0" smtClean="0"/>
+              <a:t>Chongxian </a:t>
+            </a:r>
+            <a:r>
+              <a:rPr lang="en-US" dirty="0" smtClean="0"/>
+              <a:t>Is </a:t>
+            </a:r>
+            <a:r>
+              <a:rPr lang="en-US" dirty="0"/>
+              <a:t>On the Project</a:t>
             </a:r>
           </a:p>
         </p:txBody>
@@ -6675,7 +6688,291 @@
           <a:bodyPr/>
           <a:lstStyle/>
           <a:p>
-            <a:endParaRPr lang="en-US"/>
+            <a:r>
+              <a:rPr lang="en-US" dirty="0"/>
+              <a:t>All of </a:t>
+            </a:r>
+            <a:r>
+              <a:rPr lang="en-US" dirty="0" err="1" smtClean="0"/>
+              <a:t>Chongxian</a:t>
+            </a:r>
+            <a:r>
+              <a:rPr lang="en-US" dirty="0" err="1" smtClean="0"/>
+              <a:t>’s</a:t>
+            </a:r>
+            <a:r>
+              <a:rPr lang="en-US" dirty="0" smtClean="0"/>
+              <a:t> </a:t>
+            </a:r>
+            <a:r>
+              <a:rPr lang="en-US" dirty="0"/>
+              <a:t>requirements were fulfilled as of last term</a:t>
+            </a:r>
+          </a:p>
+          <a:p>
+            <a:r>
+              <a:rPr lang="en-US" dirty="0"/>
+              <a:t>Still could add more </a:t>
+            </a:r>
+            <a:r>
+              <a:rPr lang="en-US" dirty="0" err="1" smtClean="0"/>
+              <a:t>algorithmns</a:t>
+            </a:r>
+            <a:r>
+              <a:rPr lang="en-US" dirty="0"/>
+              <a:t> </a:t>
+            </a:r>
+            <a:r>
+              <a:rPr lang="en-US" dirty="0" smtClean="0"/>
+              <a:t>and potentially upgrade AWS. </a:t>
+            </a:r>
+          </a:p>
+          <a:p>
+            <a:r>
+              <a:rPr lang="en-US" dirty="0" smtClean="0"/>
+              <a:t>Could try to make the algorithms more efficient.</a:t>
+            </a:r>
+          </a:p>
+          <a:p>
+            <a:endParaRPr lang="en-US" dirty="0"/>
+          </a:p>
+        </p:txBody>
+      </p:sp>
+    </p:spTree>
+    <p:extLst>
+      <p:ext uri="{BB962C8B-B14F-4D97-AF65-F5344CB8AC3E}">
+        <p14:creationId xmlns:p14="http://schemas.microsoft.com/office/powerpoint/2010/main" val="1372664176"/>
+      </p:ext>
+    </p:extLst>
+  </p:cSld>
+  <p:clrMapOvr>
+    <a:masterClrMapping/>
+  </p:clrMapOvr>
+</p:sld>
+</file>
+
+<file path=ppt/slides/slide12.xml><?xml version="1.0" encoding="utf-8"?>
+<p:sld xmlns:a="http://schemas.openxmlformats.org/drawingml/2006/main" xmlns:r="http://schemas.openxmlformats.org/officeDocument/2006/relationships" xmlns:p="http://schemas.openxmlformats.org/presentationml/2006/main">
+  <p:cSld>
+    <p:spTree>
+      <p:nvGrpSpPr>
+        <p:cNvPr id="1" name=""/>
+        <p:cNvGrpSpPr/>
+        <p:nvPr/>
+      </p:nvGrpSpPr>
+      <p:grpSpPr>
+        <a:xfrm>
+          <a:off x="0" y="0"/>
+          <a:ext cx="0" cy="0"/>
+          <a:chOff x="0" y="0"/>
+          <a:chExt cx="0" cy="0"/>
+        </a:xfrm>
+      </p:grpSpPr>
+      <p:sp>
+        <p:nvSpPr>
+          <p:cNvPr id="2" name="Title 1"/>
+          <p:cNvSpPr>
+            <a:spLocks noGrp="1"/>
+          </p:cNvSpPr>
+          <p:nvPr>
+            <p:ph type="title"/>
+          </p:nvPr>
+        </p:nvSpPr>
+        <p:spPr/>
+        <p:txBody>
+          <a:bodyPr/>
+          <a:lstStyle/>
+          <a:p>
+            <a:r>
+              <a:rPr lang="en-US" dirty="0"/>
+              <a:t>Problems </a:t>
+            </a:r>
+            <a:r>
+              <a:rPr lang="en-US" dirty="0" smtClean="0"/>
+              <a:t>Chongxian Encountered</a:t>
+            </a:r>
+            <a:endParaRPr lang="en-US" dirty="0"/>
+          </a:p>
+        </p:txBody>
+      </p:sp>
+      <p:sp>
+        <p:nvSpPr>
+          <p:cNvPr id="3" name="Content Placeholder 2"/>
+          <p:cNvSpPr>
+            <a:spLocks noGrp="1"/>
+          </p:cNvSpPr>
+          <p:nvPr>
+            <p:ph idx="1"/>
+          </p:nvPr>
+        </p:nvSpPr>
+        <p:spPr/>
+        <p:txBody>
+          <a:bodyPr/>
+          <a:lstStyle/>
+          <a:p>
+            <a:r>
+              <a:rPr lang="en-US" dirty="0"/>
+              <a:t>N</a:t>
+            </a:r>
+            <a:r>
+              <a:rPr lang="en-US" dirty="0" smtClean="0"/>
+              <a:t>one </a:t>
+            </a:r>
+            <a:r>
+              <a:rPr lang="en-US" dirty="0"/>
+              <a:t>of our team members have taken Machine Learning classes before, I have to explore about it. In the beginning we don't even know what language to use or </a:t>
+            </a:r>
+            <a:r>
+              <a:rPr lang="en-US" dirty="0" smtClean="0"/>
+              <a:t>what </a:t>
+            </a:r>
+            <a:r>
+              <a:rPr lang="en-US" dirty="0"/>
+              <a:t>library to start with. Our TA </a:t>
+            </a:r>
+            <a:r>
+              <a:rPr lang="en-US" dirty="0" err="1"/>
+              <a:t>Xinze</a:t>
+            </a:r>
+            <a:r>
+              <a:rPr lang="en-US" dirty="0"/>
+              <a:t> Guan got us started with </a:t>
+            </a:r>
+            <a:r>
+              <a:rPr lang="en-US" dirty="0" err="1"/>
+              <a:t>SciKit</a:t>
+            </a:r>
+            <a:r>
+              <a:rPr lang="en-US" dirty="0"/>
+              <a:t> Learn </a:t>
+            </a:r>
+            <a:r>
+              <a:rPr lang="en-US" dirty="0" smtClean="0"/>
+              <a:t>library in </a:t>
+            </a:r>
+            <a:r>
+              <a:rPr lang="en-US" dirty="0"/>
+              <a:t>Python. </a:t>
+            </a:r>
+            <a:endParaRPr lang="en-US" dirty="0" smtClean="0"/>
+          </a:p>
+          <a:p>
+            <a:r>
+              <a:rPr lang="en-US" dirty="0"/>
+              <a:t>W</a:t>
+            </a:r>
+            <a:r>
+              <a:rPr lang="en-US" dirty="0" smtClean="0"/>
+              <a:t>e </a:t>
+            </a:r>
+            <a:r>
+              <a:rPr lang="en-US" dirty="0"/>
+              <a:t>found that OSU server doesn't run Python script. Then I moved to Amazon Web Service (AWS). But the AWS free machine has too </a:t>
+            </a:r>
+            <a:r>
+              <a:rPr lang="en-US" dirty="0" smtClean="0"/>
+              <a:t>small </a:t>
+            </a:r>
+            <a:r>
+              <a:rPr lang="en-US" dirty="0"/>
+              <a:t>memory so I spend a while figuring out how to install all the required Python environments for our project. </a:t>
+            </a:r>
+            <a:endParaRPr lang="en-US" dirty="0" smtClean="0"/>
+          </a:p>
+          <a:p>
+            <a:r>
+              <a:rPr lang="en-US" dirty="0" smtClean="0"/>
+              <a:t>Visualizing </a:t>
+            </a:r>
+            <a:r>
+              <a:rPr lang="en-US" dirty="0"/>
+              <a:t>our results also met </a:t>
+            </a:r>
+            <a:r>
+              <a:rPr lang="en-US" dirty="0" smtClean="0"/>
+              <a:t>difficulty </a:t>
+            </a:r>
+            <a:r>
+              <a:rPr lang="en-US" dirty="0"/>
+              <a:t>on AWS since there is no monitor part on AWS server, it purely is a computing machine. Thus PIL in Python got some trouble. After troubleshooting I finally figure it out and our module is successfully ran on it. </a:t>
+            </a:r>
+            <a:endParaRPr lang="en-US" dirty="0"/>
+          </a:p>
+        </p:txBody>
+      </p:sp>
+    </p:spTree>
+    <p:extLst>
+      <p:ext uri="{BB962C8B-B14F-4D97-AF65-F5344CB8AC3E}">
+        <p14:creationId xmlns:p14="http://schemas.microsoft.com/office/powerpoint/2010/main" val="2097469958"/>
+      </p:ext>
+    </p:extLst>
+  </p:cSld>
+  <p:clrMapOvr>
+    <a:masterClrMapping/>
+  </p:clrMapOvr>
+</p:sld>
+</file>
+
+<file path=ppt/slides/slide13.xml><?xml version="1.0" encoding="utf-8"?>
+<p:sld xmlns:a="http://schemas.openxmlformats.org/drawingml/2006/main" xmlns:r="http://schemas.openxmlformats.org/officeDocument/2006/relationships" xmlns:p="http://schemas.openxmlformats.org/presentationml/2006/main">
+  <p:cSld>
+    <p:spTree>
+      <p:nvGrpSpPr>
+        <p:cNvPr id="1" name=""/>
+        <p:cNvGrpSpPr/>
+        <p:nvPr/>
+      </p:nvGrpSpPr>
+      <p:grpSpPr>
+        <a:xfrm>
+          <a:off x="0" y="0"/>
+          <a:ext cx="0" cy="0"/>
+          <a:chOff x="0" y="0"/>
+          <a:chExt cx="0" cy="0"/>
+        </a:xfrm>
+      </p:grpSpPr>
+      <p:sp>
+        <p:nvSpPr>
+          <p:cNvPr id="2" name="Title 1"/>
+          <p:cNvSpPr>
+            <a:spLocks noGrp="1"/>
+          </p:cNvSpPr>
+          <p:nvPr>
+            <p:ph type="title"/>
+          </p:nvPr>
+        </p:nvSpPr>
+        <p:spPr/>
+        <p:txBody>
+          <a:bodyPr/>
+          <a:lstStyle/>
+          <a:p>
+            <a:r>
+              <a:rPr lang="en-US" dirty="0"/>
+              <a:t>Project </a:t>
+            </a:r>
+            <a:r>
+              <a:rPr lang="en-US" dirty="0" smtClean="0"/>
+              <a:t>demonstration and code walkthrough</a:t>
+            </a:r>
+            <a:endParaRPr lang="en-US" dirty="0"/>
+          </a:p>
+        </p:txBody>
+      </p:sp>
+      <p:sp>
+        <p:nvSpPr>
+          <p:cNvPr id="3" name="Content Placeholder 2"/>
+          <p:cNvSpPr>
+            <a:spLocks noGrp="1"/>
+          </p:cNvSpPr>
+          <p:nvPr>
+            <p:ph idx="1"/>
+          </p:nvPr>
+        </p:nvSpPr>
+        <p:spPr/>
+        <p:txBody>
+          <a:bodyPr/>
+          <a:lstStyle/>
+          <a:p>
+            <a:endParaRPr lang="en-US" dirty="0"/>
           </a:p>
         </p:txBody>
       </p:sp>
@@ -6692,7 +6989,7 @@
 </p:sld>
 </file>
 
-<file path=ppt/slides/slide12.xml><?xml version="1.0" encoding="utf-8"?>
+<file path=ppt/slides/slide14.xml><?xml version="1.0" encoding="utf-8"?>
 <p:sld xmlns:a="http://schemas.openxmlformats.org/drawingml/2006/main" xmlns:r="http://schemas.openxmlformats.org/officeDocument/2006/relationships" xmlns:p="http://schemas.openxmlformats.org/presentationml/2006/main">
   <p:cSld>
     <p:spTree>
@@ -7376,7 +7673,7 @@
           <a:graphicData uri="http://schemas.openxmlformats.org/presentationml/2006/ole">
             <mc:AlternateContent xmlns:mc="http://schemas.openxmlformats.org/markup-compatibility/2006">
               <mc:Choice xmlns:v="urn:schemas-microsoft-com:vml" Requires="v">
-                <p:oleObj spid="_x0000_s1033" name="Packager Shell Object" showAsIcon="1" r:id="rId3" imgW="2442240" imgH="387000" progId="Package">
+                <p:oleObj spid="_x0000_s1036" name="Packager Shell Object" showAsIcon="1" r:id="rId3" imgW="2442240" imgH="387000" progId="Package">
                   <p:embed/>
                 </p:oleObj>
               </mc:Choice>
